--- a/figs/system/setup_rMPLC_xz.pptx
+++ b/figs/system/setup_rMPLC_xz.pptx
@@ -243,7 +243,7 @@
           <a:p>
             <a:fld id="{69E1F076-E2AF-478E-AC00-4EBFD33DEBD7}" type="datetimeFigureOut">
               <a:rPr lang="en-US" smtClean="0"/>
-              <a:t>11/15/2025</a:t>
+              <a:t>12/11/2025</a:t>
             </a:fld>
             <a:endParaRPr lang="en-US"/>
           </a:p>
@@ -413,7 +413,7 @@
           <a:p>
             <a:fld id="{69E1F076-E2AF-478E-AC00-4EBFD33DEBD7}" type="datetimeFigureOut">
               <a:rPr lang="en-US" smtClean="0"/>
-              <a:t>11/15/2025</a:t>
+              <a:t>12/11/2025</a:t>
             </a:fld>
             <a:endParaRPr lang="en-US"/>
           </a:p>
@@ -593,7 +593,7 @@
           <a:p>
             <a:fld id="{69E1F076-E2AF-478E-AC00-4EBFD33DEBD7}" type="datetimeFigureOut">
               <a:rPr lang="en-US" smtClean="0"/>
-              <a:t>11/15/2025</a:t>
+              <a:t>12/11/2025</a:t>
             </a:fld>
             <a:endParaRPr lang="en-US"/>
           </a:p>
@@ -763,7 +763,7 @@
           <a:p>
             <a:fld id="{69E1F076-E2AF-478E-AC00-4EBFD33DEBD7}" type="datetimeFigureOut">
               <a:rPr lang="en-US" smtClean="0"/>
-              <a:t>11/15/2025</a:t>
+              <a:t>12/11/2025</a:t>
             </a:fld>
             <a:endParaRPr lang="en-US"/>
           </a:p>
@@ -1009,7 +1009,7 @@
           <a:p>
             <a:fld id="{69E1F076-E2AF-478E-AC00-4EBFD33DEBD7}" type="datetimeFigureOut">
               <a:rPr lang="en-US" smtClean="0"/>
-              <a:t>11/15/2025</a:t>
+              <a:t>12/11/2025</a:t>
             </a:fld>
             <a:endParaRPr lang="en-US"/>
           </a:p>
@@ -1241,7 +1241,7 @@
           <a:p>
             <a:fld id="{69E1F076-E2AF-478E-AC00-4EBFD33DEBD7}" type="datetimeFigureOut">
               <a:rPr lang="en-US" smtClean="0"/>
-              <a:t>11/15/2025</a:t>
+              <a:t>12/11/2025</a:t>
             </a:fld>
             <a:endParaRPr lang="en-US"/>
           </a:p>
@@ -1608,7 +1608,7 @@
           <a:p>
             <a:fld id="{69E1F076-E2AF-478E-AC00-4EBFD33DEBD7}" type="datetimeFigureOut">
               <a:rPr lang="en-US" smtClean="0"/>
-              <a:t>11/15/2025</a:t>
+              <a:t>12/11/2025</a:t>
             </a:fld>
             <a:endParaRPr lang="en-US"/>
           </a:p>
@@ -1726,7 +1726,7 @@
           <a:p>
             <a:fld id="{69E1F076-E2AF-478E-AC00-4EBFD33DEBD7}" type="datetimeFigureOut">
               <a:rPr lang="en-US" smtClean="0"/>
-              <a:t>11/15/2025</a:t>
+              <a:t>12/11/2025</a:t>
             </a:fld>
             <a:endParaRPr lang="en-US"/>
           </a:p>
@@ -1821,7 +1821,7 @@
           <a:p>
             <a:fld id="{69E1F076-E2AF-478E-AC00-4EBFD33DEBD7}" type="datetimeFigureOut">
               <a:rPr lang="en-US" smtClean="0"/>
-              <a:t>11/15/2025</a:t>
+              <a:t>12/11/2025</a:t>
             </a:fld>
             <a:endParaRPr lang="en-US"/>
           </a:p>
@@ -2098,7 +2098,7 @@
           <a:p>
             <a:fld id="{69E1F076-E2AF-478E-AC00-4EBFD33DEBD7}" type="datetimeFigureOut">
               <a:rPr lang="en-US" smtClean="0"/>
-              <a:t>11/15/2025</a:t>
+              <a:t>12/11/2025</a:t>
             </a:fld>
             <a:endParaRPr lang="en-US"/>
           </a:p>
@@ -2355,7 +2355,7 @@
           <a:p>
             <a:fld id="{69E1F076-E2AF-478E-AC00-4EBFD33DEBD7}" type="datetimeFigureOut">
               <a:rPr lang="en-US" smtClean="0"/>
-              <a:t>11/15/2025</a:t>
+              <a:t>12/11/2025</a:t>
             </a:fld>
             <a:endParaRPr lang="en-US"/>
           </a:p>
@@ -2568,7 +2568,7 @@
           <a:p>
             <a:fld id="{69E1F076-E2AF-478E-AC00-4EBFD33DEBD7}" type="datetimeFigureOut">
               <a:rPr lang="en-US" smtClean="0"/>
-              <a:t>11/15/2025</a:t>
+              <a:t>12/11/2025</a:t>
             </a:fld>
             <a:endParaRPr lang="en-US"/>
           </a:p>
@@ -9126,7 +9126,7 @@
                   <a:latin typeface="Times New Roman" panose="02020603050405020304" pitchFamily="18" charset="0"/>
                   <a:cs typeface="Times New Roman" panose="02020603050405020304" pitchFamily="18" charset="0"/>
                 </a:rPr>
-                <a:t>Bounce 1</a:t>
+                <a:t>Bounce 2</a:t>
               </a:r>
             </a:p>
           </p:txBody>
@@ -9164,7 +9164,7 @@
                   <a:latin typeface="Times New Roman" panose="02020603050405020304" pitchFamily="18" charset="0"/>
                   <a:cs typeface="Times New Roman" panose="02020603050405020304" pitchFamily="18" charset="0"/>
                 </a:rPr>
-                <a:t>Bounce 2</a:t>
+                <a:t>Bounce 3</a:t>
               </a:r>
             </a:p>
           </p:txBody>
@@ -9202,7 +9202,7 @@
                   <a:latin typeface="Times New Roman" panose="02020603050405020304" pitchFamily="18" charset="0"/>
                   <a:cs typeface="Times New Roman" panose="02020603050405020304" pitchFamily="18" charset="0"/>
                 </a:rPr>
-                <a:t>Bounce 3</a:t>
+                <a:t>Bounce 4</a:t>
               </a:r>
             </a:p>
           </p:txBody>
